--- a/CA2 Presentation draft-1.pptx
+++ b/CA2 Presentation draft-1.pptx
@@ -118,7 +118,7 @@
   </p:defaultTextStyle>
   <p:extLst>
     <p:ext uri="{EFAFB233-063F-42B5-8137-9DF3F51BA10A}">
-      <p15:sldGuideLst xmlns:p15="http://schemas.microsoft.com/office/powerpoint/2012/main" xmlns="">
+      <p15:sldGuideLst xmlns:p15="http://schemas.microsoft.com/office/powerpoint/2012/main">
         <p15:guide id="1" orient="horz" pos="2160">
           <p15:clr>
             <a:srgbClr val="A4A3A4"/>
@@ -157,7 +157,7 @@
       </p15:sldGuideLst>
     </p:ext>
     <p:ext uri="{2D200454-40CA-4A62-9FC3-DE9A4176ACB9}">
-      <p15:notesGuideLst xmlns:p15="http://schemas.microsoft.com/office/powerpoint/2012/main" xmlns="">
+      <p15:notesGuideLst xmlns:p15="http://schemas.microsoft.com/office/powerpoint/2012/main">
         <p15:guide id="1" orient="horz" pos="2880">
           <p15:clr>
             <a:srgbClr val="A4A3A4"/>
@@ -256,7 +256,7 @@
           <a:p>
             <a:fld id="{BDB7646E-8811-423A-9C42-2CBFADA00A96}" type="datetimeFigureOut">
               <a:rPr lang="en-US" smtClean="0"/>
-              <a:t>4/27/2018</a:t>
+              <a:t>27-Apr-18</a:t>
             </a:fld>
             <a:endParaRPr lang="en-US"/>
           </a:p>
@@ -430,7 +430,7 @@
             <a:fld id="{D677E230-58DD-43ED-96A1-552DDAB53532}" type="datetimeFigureOut">
               <a:rPr lang="en-US" smtClean="0"/>
               <a:pPr/>
-              <a:t>4/27/2018</a:t>
+              <a:t>27-Apr-18</a:t>
             </a:fld>
             <a:endParaRPr lang="en-US"/>
           </a:p>
@@ -1449,7 +1449,7 @@
           <a:p>
             <a:fld id="{80BBE6BF-C811-45BB-8BA9-22EFF2B83FFA}" type="datetime1">
               <a:rPr lang="en-US" smtClean="0"/>
-              <a:t>4/27/2018</a:t>
+              <a:t>27-Apr-18</a:t>
             </a:fld>
             <a:endParaRPr lang="en-US"/>
           </a:p>
@@ -1770,7 +1770,7 @@
           <a:p>
             <a:fld id="{42DF41C5-B5F2-469F-BA25-292CFCDAF6E0}" type="datetime1">
               <a:rPr lang="en-US" smtClean="0"/>
-              <a:t>4/27/2018</a:t>
+              <a:t>27-Apr-18</a:t>
             </a:fld>
             <a:endParaRPr lang="en-US"/>
           </a:p>
@@ -1969,7 +1969,7 @@
           <a:p>
             <a:fld id="{E69D85FE-5443-4629-8A1C-6F6EA57CBD60}" type="datetime1">
               <a:rPr lang="en-US" smtClean="0"/>
-              <a:t>4/27/2018</a:t>
+              <a:t>27-Apr-18</a:t>
             </a:fld>
             <a:endParaRPr lang="en-US"/>
           </a:p>
@@ -2268,7 +2268,7 @@
           <a:p>
             <a:fld id="{F39362CC-4597-4E8E-AFE5-237B3DA1FF07}" type="datetime1">
               <a:rPr lang="en-US" smtClean="0"/>
-              <a:t>4/27/2018</a:t>
+              <a:t>27-Apr-18</a:t>
             </a:fld>
             <a:endParaRPr lang="en-US"/>
           </a:p>
@@ -2565,7 +2565,7 @@
           <a:p>
             <a:fld id="{E1F63988-78D4-46C4-B808-1786C6A42859}" type="datetime1">
               <a:rPr lang="en-US" smtClean="0"/>
-              <a:t>4/27/2018</a:t>
+              <a:t>27-Apr-18</a:t>
             </a:fld>
             <a:endParaRPr lang="en-US"/>
           </a:p>
@@ -3026,7 +3026,7 @@
           <a:p>
             <a:fld id="{A482C1EE-CCC0-4F27-8918-BF938AC1419F}" type="datetime1">
               <a:rPr lang="en-US" smtClean="0"/>
-              <a:t>4/27/2018</a:t>
+              <a:t>27-Apr-18</a:t>
             </a:fld>
             <a:endParaRPr lang="en-US"/>
           </a:p>
@@ -3561,7 +3561,7 @@
           <a:p>
             <a:fld id="{B9A0C48B-9D86-4C33-9BD3-2929B1D74E3D}" type="datetime1">
               <a:rPr lang="en-US" smtClean="0"/>
-              <a:t>4/27/2018</a:t>
+              <a:t>27-Apr-18</a:t>
             </a:fld>
             <a:endParaRPr lang="en-US"/>
           </a:p>
@@ -3729,7 +3729,7 @@
           <a:p>
             <a:fld id="{E87B711C-F9D6-42CE-B848-D107B7756573}" type="datetime1">
               <a:rPr lang="en-US" smtClean="0"/>
-              <a:t>4/27/2018</a:t>
+              <a:t>27-Apr-18</a:t>
             </a:fld>
             <a:endParaRPr lang="en-US"/>
           </a:p>
@@ -3861,7 +3861,7 @@
           <a:p>
             <a:fld id="{4C1EAC44-87EE-4E25-9BCB-D1B8F4FDD9D1}" type="datetime1">
               <a:rPr lang="en-US" smtClean="0"/>
-              <a:t>4/27/2018</a:t>
+              <a:t>27-Apr-18</a:t>
             </a:fld>
             <a:endParaRPr lang="en-US"/>
           </a:p>
@@ -4207,7 +4207,7 @@
           <a:p>
             <a:fld id="{E68E44B9-3FFE-4574-9630-3E5A6F960186}" type="datetime1">
               <a:rPr lang="en-US" smtClean="0"/>
-              <a:t>4/27/2018</a:t>
+              <a:t>27-Apr-18</a:t>
             </a:fld>
             <a:endParaRPr lang="en-US"/>
           </a:p>
@@ -4563,7 +4563,7 @@
           <a:p>
             <a:fld id="{F866F492-7803-4716-B969-A5873965FF8A}" type="datetime1">
               <a:rPr lang="en-US" smtClean="0"/>
-              <a:t>4/27/2018</a:t>
+              <a:t>27-Apr-18</a:t>
             </a:fld>
             <a:endParaRPr lang="en-US"/>
           </a:p>
@@ -4855,7 +4855,7 @@
             <a:fld id="{FD004168-AADC-4457-9784-543656FEE4FC}" type="datetime1">
               <a:rPr lang="en-US" smtClean="0"/>
               <a:pPr/>
-              <a:t>4/27/2018</a:t>
+              <a:t>27-Apr-18</a:t>
             </a:fld>
             <a:endParaRPr lang="en-US"/>
           </a:p>
@@ -5341,7 +5341,7 @@
   </p:txStyles>
   <p:extLst mod="1">
     <p:ext uri="{27BBF7A9-308A-43DC-89C8-2F10F3537804}">
-      <p15:sldGuideLst xmlns:p15="http://schemas.microsoft.com/office/powerpoint/2012/main" xmlns="">
+      <p15:sldGuideLst xmlns:p15="http://schemas.microsoft.com/office/powerpoint/2012/main">
         <p15:guide id="0" orient="horz" pos="2160" userDrawn="1">
           <p15:clr>
             <a:srgbClr val="F26B43"/>
@@ -5398,7 +5398,7 @@
         <p:spPr>
           <a:xfrm>
             <a:off x="2428669" y="1268760"/>
-            <a:ext cx="8418271" cy="3011567"/>
+            <a:ext cx="8418271" cy="4968552"/>
           </a:xfrm>
         </p:spPr>
         <p:txBody>
@@ -5407,8 +5407,51 @@
           <a:p>
             <a:r>
               <a:rPr lang="en-US" dirty="0"/>
-              <a:t>Selection of important features and predicting wine quality using machine learning techniques</a:t>
-            </a:r>
+              <a:t>Wine Quality Analysis using Machine Learning Techniques</a:t>
+            </a:r>
+            <a:br>
+              <a:rPr lang="en-US" dirty="0"/>
+            </a:br>
+            <a:br>
+              <a:rPr lang="en-US" dirty="0"/>
+            </a:br>
+            <a:r>
+              <a:rPr lang="pl-PL" sz="2000" cap="all" dirty="0"/>
+              <a:t>Alicja Czajkowska</a:t>
+            </a:r>
+            <a:br>
+              <a:rPr lang="en-US" sz="2000" dirty="0"/>
+            </a:br>
+            <a:r>
+              <a:rPr lang="pl-PL" sz="2000" cap="all" dirty="0"/>
+              <a:t>magda leszczynska</a:t>
+            </a:r>
+            <a:br>
+              <a:rPr lang="en-US" sz="2000" dirty="0"/>
+            </a:br>
+            <a:r>
+              <a:rPr lang="pl-PL" sz="2000" cap="all" dirty="0"/>
+              <a:t>Paulina Luty</a:t>
+            </a:r>
+            <a:br>
+              <a:rPr lang="en-IE" sz="2000" cap="all" dirty="0"/>
+            </a:br>
+            <a:r>
+              <a:rPr lang="en-IE" sz="2000" cap="all" dirty="0"/>
+              <a:t>Anna </a:t>
+            </a:r>
+            <a:r>
+              <a:rPr lang="en-IE" sz="2000" cap="all" dirty="0" err="1"/>
+              <a:t>Skowron</a:t>
+            </a:r>
+            <a:r>
+              <a:rPr lang="en-IE" sz="2000" cap="all" dirty="0"/>
+              <a:t>	</a:t>
+            </a:r>
+            <a:br>
+              <a:rPr lang="en-US" sz="2000" dirty="0"/>
+            </a:br>
+            <a:endParaRPr lang="en-US" dirty="0"/>
           </a:p>
         </p:txBody>
       </p:sp>
@@ -5422,25 +5465,18 @@
   <p:clrMapOvr>
     <a:masterClrMapping/>
   </p:clrMapOvr>
-  <mc:AlternateContent xmlns:mc="http://schemas.openxmlformats.org/markup-compatibility/2006">
-    <mc:Choice xmlns:p14="http://schemas.microsoft.com/office/powerpoint/2010/main" Requires="p14">
+  <mc:AlternateContent xmlns:mc="http://schemas.openxmlformats.org/markup-compatibility/2006" xmlns:p14="http://schemas.microsoft.com/office/powerpoint/2010/main">
+    <mc:Choice Requires="p14">
       <p:transition p14:dur="100">
         <p:cut/>
       </p:transition>
     </mc:Choice>
-    <mc:Fallback>
+    <mc:Fallback xmlns="">
       <p:transition>
         <p:cut/>
       </p:transition>
     </mc:Fallback>
   </mc:AlternateContent>
-  <p:timing>
-    <p:tnLst>
-      <p:par>
-        <p:cTn id="1" dur="indefinite" restart="never" nodeType="tmRoot"/>
-      </p:par>
-    </p:tnLst>
-  </p:timing>
 </p:sld>
 </file>
 
@@ -5557,13 +5593,6 @@
       </p:transition>
     </mc:Fallback>
   </mc:AlternateContent>
-  <p:timing>
-    <p:tnLst>
-      <p:par>
-        <p:cTn id="1" dur="indefinite" restart="never" nodeType="tmRoot"/>
-      </p:par>
-    </p:tnLst>
-  </p:timing>
 </p:sld>
 </file>
 
@@ -5606,10 +5635,9 @@
           <a:p>
             <a:pPr algn="ctr"/>
             <a:r>
-              <a:rPr lang="en-IE" dirty="0" smtClean="0"/>
+              <a:rPr lang="en-IE" dirty="0"/>
               <a:t>Production process impact the attributes of wines</a:t>
             </a:r>
-            <a:endParaRPr lang="en-IE" dirty="0"/>
           </a:p>
         </p:txBody>
       </p:sp>
@@ -5665,13 +5693,6 @@
       </p:transition>
     </mc:Fallback>
   </mc:AlternateContent>
-  <p:timing>
-    <p:tnLst>
-      <p:par>
-        <p:cTn id="1" dur="indefinite" restart="never" nodeType="tmRoot"/>
-      </p:par>
-    </p:tnLst>
-  </p:timing>
 </p:sld>
 </file>
 
@@ -5862,13 +5883,6 @@
       </p:transition>
     </mc:Fallback>
   </mc:AlternateContent>
-  <p:timing>
-    <p:tnLst>
-      <p:par>
-        <p:cTn id="1" dur="indefinite" restart="never" nodeType="tmRoot"/>
-      </p:par>
-    </p:tnLst>
-  </p:timing>
 </p:sld>
 </file>
 
@@ -5928,77 +5942,82 @@
           <a:p>
             <a:pPr lvl="0"/>
             <a:r>
-              <a:rPr lang="en-US" b="1" dirty="0" smtClean="0"/>
+              <a:rPr lang="en-US" b="1" dirty="0"/>
               <a:t>Classification techniques – clustering – unsupervised learning</a:t>
             </a:r>
           </a:p>
           <a:p>
             <a:pPr lvl="0"/>
             <a:r>
-              <a:rPr lang="en-US" b="1" dirty="0" smtClean="0"/>
+              <a:rPr lang="en-US" b="1" dirty="0"/>
               <a:t>Machine Learning technique:</a:t>
             </a:r>
           </a:p>
           <a:p>
-            <a:pPr lvl="0">
+            <a:pPr marL="0" lvl="0" indent="0">
+              <a:buNone/>
+            </a:pPr>
+            <a:endParaRPr lang="en-US" b="1" dirty="0"/>
+          </a:p>
+          <a:p>
+            <a:pPr lvl="1">
               <a:buFontTx/>
               <a:buChar char="-"/>
             </a:pPr>
             <a:r>
-              <a:rPr lang="en-US" b="1" dirty="0" smtClean="0"/>
+              <a:rPr lang="en-US" b="1" dirty="0"/>
               <a:t>Naïve Bayes</a:t>
             </a:r>
           </a:p>
           <a:p>
-            <a:pPr lvl="0">
+            <a:pPr lvl="1">
               <a:buFontTx/>
               <a:buChar char="-"/>
             </a:pPr>
             <a:r>
-              <a:rPr lang="en-US" b="1" dirty="0" smtClean="0"/>
+              <a:rPr lang="en-US" b="1" dirty="0"/>
               <a:t>Decision Tree</a:t>
             </a:r>
           </a:p>
           <a:p>
-            <a:pPr lvl="0">
+            <a:pPr lvl="1">
               <a:buFontTx/>
               <a:buChar char="-"/>
             </a:pPr>
             <a:r>
-              <a:rPr lang="en-US" b="1" dirty="0" smtClean="0"/>
+              <a:rPr lang="en-US" b="1" dirty="0"/>
               <a:t>Random Forest</a:t>
             </a:r>
           </a:p>
           <a:p>
-            <a:pPr lvl="0">
+            <a:pPr lvl="1">
               <a:buFontTx/>
               <a:buChar char="-"/>
             </a:pPr>
             <a:r>
-              <a:rPr lang="en-US" b="1" dirty="0" smtClean="0"/>
+              <a:rPr lang="en-US" b="1" dirty="0"/>
               <a:t>Gradient Boosted Trees</a:t>
             </a:r>
           </a:p>
           <a:p>
-            <a:pPr lvl="0">
+            <a:pPr lvl="1">
               <a:buFontTx/>
               <a:buChar char="-"/>
             </a:pPr>
             <a:r>
-              <a:rPr lang="en-US" b="1" dirty="0" smtClean="0"/>
+              <a:rPr lang="en-US" b="1" dirty="0"/>
               <a:t>Generalized Linear Model</a:t>
             </a:r>
           </a:p>
           <a:p>
-            <a:pPr lvl="0">
+            <a:pPr lvl="1">
               <a:buFontTx/>
               <a:buChar char="-"/>
             </a:pPr>
             <a:r>
-              <a:rPr lang="en-US" b="1" dirty="0" smtClean="0"/>
+              <a:rPr lang="en-US" b="1" dirty="0"/>
               <a:t>Support Vector Machine</a:t>
             </a:r>
-            <a:endParaRPr lang="en-US" b="1" dirty="0" smtClean="0"/>
           </a:p>
           <a:p>
             <a:pPr lvl="0"/>
@@ -6028,13 +6047,6 @@
       </p:transition>
     </mc:Fallback>
   </mc:AlternateContent>
-  <p:timing>
-    <p:tnLst>
-      <p:par>
-        <p:cTn id="1" dur="indefinite" restart="never" nodeType="tmRoot"/>
-      </p:par>
-    </p:tnLst>
-  </p:timing>
 </p:sld>
 </file>
 
@@ -6097,7 +6109,7 @@
               <a:buChar char="•"/>
             </a:pPr>
             <a:r>
-              <a:rPr lang="en-US" b="1" dirty="0" smtClean="0"/>
+              <a:rPr lang="en-US" b="1" dirty="0"/>
               <a:t>Gradient Boosted Technique – the highest accuracy to predict:</a:t>
             </a:r>
           </a:p>
@@ -6107,8 +6119,8 @@
               <a:buChar char="o"/>
             </a:pPr>
             <a:r>
-              <a:rPr lang="en-US" b="1" dirty="0" smtClean="0"/>
-              <a:t>      level of alcohol without given alcohol  </a:t>
+              <a:rPr lang="en-US" b="1" dirty="0"/>
+              <a:t>      88% - level of alcohol without given alcohol content</a:t>
             </a:r>
           </a:p>
           <a:p>
@@ -6117,8 +6129,18 @@
               <a:buChar char="o"/>
             </a:pPr>
             <a:r>
-              <a:rPr lang="en-US" b="1" dirty="0" smtClean="0"/>
-              <a:t>      balanced wine without given preservative – total sulfur            dioxide</a:t>
+              <a:rPr lang="en-US" b="1" dirty="0"/>
+              <a:t>      77.5% - level of preservatives without given chlorides</a:t>
+            </a:r>
+          </a:p>
+          <a:p>
+            <a:pPr>
+              <a:buFont typeface="Courier New" panose="02070309020205020404" pitchFamily="49" charset="0"/>
+              <a:buChar char="o"/>
+            </a:pPr>
+            <a:r>
+              <a:rPr lang="en-US" b="1" dirty="0"/>
+              <a:t>      88% - balanced wine without given preservatives - total      	sulfur dioxide</a:t>
             </a:r>
           </a:p>
           <a:p>
@@ -6127,24 +6149,16 @@
               <a:buChar char="•"/>
             </a:pPr>
             <a:r>
-              <a:rPr lang="en-US" b="1" dirty="0" smtClean="0"/>
-              <a:t> Generalized Linear model – the highest accuracy to predict sugar/</a:t>
-            </a:r>
-            <a:r>
-              <a:rPr lang="en-US" b="1" dirty="0" err="1" smtClean="0"/>
+              <a:rPr lang="en-US" b="1" dirty="0"/>
+              <a:t> 90% - Generalized Linear model – the highest accuracy to predict sugar/</a:t>
+            </a:r>
+            <a:r>
+              <a:rPr lang="en-US" b="1" dirty="0" err="1"/>
               <a:t>ph</a:t>
             </a:r>
             <a:r>
-              <a:rPr lang="en-US" b="1" dirty="0" smtClean="0"/>
-              <a:t> level, without </a:t>
-            </a:r>
-            <a:r>
-              <a:rPr lang="en-US" b="1" dirty="0" err="1" smtClean="0"/>
-              <a:t>Ph</a:t>
-            </a:r>
-            <a:r>
-              <a:rPr lang="en-US" b="1" dirty="0" smtClean="0"/>
-              <a:t> level</a:t>
+              <a:rPr lang="en-US" b="1" dirty="0"/>
+              <a:t> ratio, without Ph level</a:t>
             </a:r>
           </a:p>
           <a:p>
@@ -6153,10 +6167,9 @@
               <a:buChar char="•"/>
             </a:pPr>
             <a:r>
-              <a:rPr lang="en-US" b="1" dirty="0" smtClean="0"/>
-              <a:t>Random Forest to predict quality rank</a:t>
-            </a:r>
-            <a:endParaRPr lang="en-US" b="1" dirty="0" smtClean="0"/>
+              <a:rPr lang="en-US" b="1" dirty="0"/>
+              <a:t>67% - Random Forest to predict quality rank</a:t>
+            </a:r>
           </a:p>
           <a:p>
             <a:pPr>
@@ -6189,13 +6202,6 @@
       </p:transition>
     </mc:Fallback>
   </mc:AlternateContent>
-  <p:timing>
-    <p:tnLst>
-      <p:par>
-        <p:cTn id="1" dur="indefinite" restart="never" nodeType="tmRoot"/>
-      </p:par>
-    </p:tnLst>
-  </p:timing>
 </p:sld>
 </file>
 
@@ -6232,10 +6238,9 @@
           <a:lstStyle/>
           <a:p>
             <a:r>
-              <a:rPr lang="en-US" dirty="0" smtClean="0"/>
+              <a:rPr lang="en-US" dirty="0"/>
               <a:t>Conclusions - Patterns</a:t>
             </a:r>
-            <a:endParaRPr lang="en-US" dirty="0"/>
           </a:p>
         </p:txBody>
       </p:sp>
@@ -6257,7 +6262,7 @@
         </p:spPr>
         <p:txBody>
           <a:bodyPr>
-            <a:normAutofit lnSpcReduction="10000"/>
+            <a:normAutofit/>
           </a:bodyPr>
           <a:lstStyle/>
           <a:p>
@@ -6266,8 +6271,8 @@
               <a:buChar char="•"/>
             </a:pPr>
             <a:r>
-              <a:rPr lang="en-US" sz="2000" b="1" dirty="0" smtClean="0"/>
-              <a:t>4 clusters among more than 4000 wines.</a:t>
+              <a:rPr lang="en-US" sz="2000" b="1" dirty="0"/>
+              <a:t>4 clusters among more than 4,000 wines found</a:t>
             </a:r>
           </a:p>
           <a:p>
@@ -6282,7 +6287,7 @@
               <a:buFont typeface="Arial" panose="020B0604020202020204" pitchFamily="34" charset="0"/>
               <a:buChar char="•"/>
             </a:pPr>
-            <a:endParaRPr lang="en-US" b="1" dirty="0" smtClean="0"/>
+            <a:endParaRPr lang="en-US" b="1" dirty="0"/>
           </a:p>
           <a:p>
             <a:pPr>
@@ -6297,8 +6302,8 @@
               <a:buChar char="•"/>
             </a:pPr>
             <a:r>
-              <a:rPr lang="en-US" sz="2000" b="1" dirty="0" smtClean="0"/>
-              <a:t> Correlation between : </a:t>
+              <a:rPr lang="en-US" sz="2000" b="1" dirty="0"/>
+              <a:t> Dependencies  </a:t>
             </a:r>
           </a:p>
           <a:p>
@@ -6307,12 +6312,8 @@
               <a:buChar char="ü"/>
             </a:pPr>
             <a:r>
-              <a:rPr lang="en-US" sz="1600" b="1" dirty="0" err="1" smtClean="0"/>
-              <a:t>Ph</a:t>
-            </a:r>
-            <a:r>
-              <a:rPr lang="en-US" sz="1600" b="1" dirty="0" smtClean="0"/>
-              <a:t> ratio and chlorides</a:t>
+              <a:rPr lang="en-US" sz="1600" b="1" dirty="0"/>
+              <a:t> Ph/sugar ratio and chlorides</a:t>
             </a:r>
           </a:p>
           <a:p>
@@ -6321,16 +6322,8 @@
               <a:buChar char="ü"/>
             </a:pPr>
             <a:r>
-              <a:rPr lang="en-US" sz="1600" b="1" dirty="0" smtClean="0"/>
-              <a:t> </a:t>
-            </a:r>
-            <a:r>
-              <a:rPr lang="en-US" sz="1600" b="1" dirty="0" err="1" smtClean="0"/>
-              <a:t>Ph</a:t>
-            </a:r>
-            <a:r>
-              <a:rPr lang="en-US" sz="1600" b="1" dirty="0" smtClean="0"/>
-              <a:t> ratio and Fixed acid</a:t>
+              <a:rPr lang="en-US" sz="1600" b="1" dirty="0"/>
+              <a:t> Ph/sugar ratio and Fixed acidity</a:t>
             </a:r>
           </a:p>
           <a:p>
@@ -6339,29 +6332,15 @@
               <a:buChar char="ü"/>
             </a:pPr>
             <a:r>
-              <a:rPr lang="en-US" sz="1600" b="1" dirty="0" smtClean="0"/>
+              <a:rPr lang="en-US" sz="1600" b="1" dirty="0"/>
               <a:t> Residual sugar and density</a:t>
-            </a:r>
-          </a:p>
-          <a:p>
-            <a:pPr>
-              <a:buFont typeface="Wingdings" panose="05000000000000000000" pitchFamily="2" charset="2"/>
-              <a:buChar char="ü"/>
-            </a:pPr>
-            <a:r>
-              <a:rPr lang="en-US" sz="1600" b="1" dirty="0" err="1" smtClean="0"/>
-              <a:t>Ph</a:t>
-            </a:r>
-            <a:r>
-              <a:rPr lang="en-US" sz="1600" b="1" dirty="0" smtClean="0"/>
-              <a:t> ratio and residual sugar</a:t>
             </a:r>
           </a:p>
           <a:p>
             <a:pPr marL="0" indent="0">
               <a:buNone/>
             </a:pPr>
-            <a:endParaRPr lang="en-US" sz="1600" b="1" dirty="0" smtClean="0"/>
+            <a:endParaRPr lang="en-US" sz="1600" b="1" dirty="0"/>
           </a:p>
           <a:p>
             <a:pPr>
@@ -6369,10 +6348,9 @@
               <a:buChar char="•"/>
             </a:pPr>
             <a:r>
-              <a:rPr lang="en-US" sz="2000" b="1" dirty="0" smtClean="0"/>
-              <a:t>It is hard to predict Quality rank </a:t>
-            </a:r>
-            <a:endParaRPr lang="en-US" sz="2000" b="1" dirty="0"/>
+              <a:rPr lang="en-US" sz="2000" b="1" dirty="0"/>
+              <a:t>Difficult to predict Quality </a:t>
+            </a:r>
           </a:p>
         </p:txBody>
       </p:sp>
@@ -6397,8 +6375,8 @@
         </p:blipFill>
         <p:spPr bwMode="auto">
           <a:xfrm>
-            <a:off x="2061964" y="2204865"/>
-            <a:ext cx="2160240" cy="1296144"/>
+            <a:off x="1989956" y="2204865"/>
+            <a:ext cx="2207007" cy="1291954"/>
           </a:xfrm>
           <a:prstGeom prst="rect">
             <a:avLst/>
@@ -6430,8 +6408,8 @@
         </p:blipFill>
         <p:spPr bwMode="auto">
           <a:xfrm>
-            <a:off x="4330216" y="2209056"/>
-            <a:ext cx="2232248" cy="1291953"/>
+            <a:off x="4330216" y="2209057"/>
+            <a:ext cx="2207007" cy="1287762"/>
           </a:xfrm>
           <a:prstGeom prst="rect">
             <a:avLst/>
@@ -6463,8 +6441,8 @@
         </p:blipFill>
         <p:spPr bwMode="auto">
           <a:xfrm>
-            <a:off x="6670476" y="2209056"/>
-            <a:ext cx="2232248" cy="1291953"/>
+            <a:off x="6670476" y="2209057"/>
+            <a:ext cx="2232248" cy="1287762"/>
           </a:xfrm>
           <a:prstGeom prst="rect">
             <a:avLst/>
@@ -6496,8 +6474,8 @@
         </p:blipFill>
         <p:spPr bwMode="auto">
           <a:xfrm>
-            <a:off x="9046740" y="2209056"/>
-            <a:ext cx="2476490" cy="1368152"/>
+            <a:off x="9035977" y="2204866"/>
+            <a:ext cx="2448272" cy="1287762"/>
           </a:xfrm>
           <a:prstGeom prst="rect">
             <a:avLst/>
@@ -6530,13 +6508,6 @@
       </p:transition>
     </mc:Fallback>
   </mc:AlternateContent>
-  <p:timing>
-    <p:tnLst>
-      <p:par>
-        <p:cTn id="1" dur="indefinite" restart="never" nodeType="tmRoot"/>
-      </p:par>
-    </p:tnLst>
-  </p:timing>
 </p:sld>
 </file>
 
@@ -6877,7 +6848,7 @@
   <a:extraClrSchemeLst/>
   <a:extLst>
     <a:ext uri="{05A4C25C-085E-4340-85A3-A5531E510DB2}">
-      <thm15:themeFamily xmlns:thm15="http://schemas.microsoft.com/office/thememl/2012/main" xmlns="" name="Pharmacy design slides.potx" id="{BDD4D5A3-0C20-4887-95F2-BFAB47634035}" vid="{397845B7-7EB0-4CC3-ABEB-6754AD087578}"/>
+      <thm15:themeFamily xmlns:thm15="http://schemas.microsoft.com/office/thememl/2012/main" name="Pharmacy design slides.potx" id="{BDD4D5A3-0C20-4887-95F2-BFAB47634035}" vid="{397845B7-7EB0-4CC3-ABEB-6754AD087578}"/>
     </a:ext>
   </a:extLst>
 </a:theme>
